--- a/Portfolio Project/Study Deck.pptx
+++ b/Portfolio Project/Study Deck.pptx
@@ -2866,7 +2866,7 @@
         </p:nvSpPr>
         <p:spPr>
           <a:xfrm>
-            <a:off x="381300" y="685800"/>
+            <a:off x="381000" y="685800"/>
             <a:ext cx="6096000" cy="3429000"/>
           </a:xfrm>
           <a:custGeom>
@@ -3282,7 +3282,7 @@
         </p:nvSpPr>
         <p:spPr>
           <a:xfrm>
-            <a:off x="381300" y="685800"/>
+            <a:off x="381000" y="685800"/>
             <a:ext cx="6096000" cy="3429000"/>
           </a:xfrm>
           <a:custGeom>
@@ -24357,7 +24357,7 @@
                 <a:cs typeface="Open Sans"/>
                 <a:sym typeface="Open Sans"/>
               </a:rPr>
-              <a:t>How to provide faster way to order on the go</a:t>
+              <a:t>The friction between the timings,the location, the long queues, and waiting time</a:t>
             </a:r>
             <a:endParaRPr sz="1200" b="1" dirty="0">
               <a:solidFill>
@@ -24478,7 +24478,7 @@
         <p:spPr>
           <a:xfrm>
             <a:off x="4572000" y="2237975"/>
-            <a:ext cx="3446100" cy="830966"/>
+            <a:ext cx="3446100" cy="1477297"/>
           </a:xfrm>
           <a:prstGeom prst="rect">
             <a:avLst/>
@@ -24541,6 +24541,18 @@
               </a:spcAft>
               <a:buNone/>
             </a:pPr>
+            <a:r>
+              <a:rPr lang="en-GB" dirty="0">
+                <a:solidFill>
+                  <a:srgbClr val="1967D2"/>
+                </a:solidFill>
+                <a:latin typeface="Open Sans SemiBold"/>
+                <a:ea typeface="Open Sans SemiBold"/>
+                <a:cs typeface="Open Sans SemiBold"/>
+                <a:sym typeface="Open Sans SemiBold"/>
+              </a:rPr>
+              <a:t>To be able to remove the barrier between the consumers and the food truck delivery guy.</a:t>
+            </a:r>
             <a:endParaRPr dirty="0">
               <a:solidFill>
                 <a:srgbClr val="1967D2"/>
@@ -25178,7 +25190,7 @@
         <p:spPr>
           <a:xfrm>
             <a:off x="517675" y="2237975"/>
-            <a:ext cx="3446100" cy="969600"/>
+            <a:ext cx="3446100" cy="830966"/>
           </a:xfrm>
           <a:prstGeom prst="rect">
             <a:avLst/>
@@ -25207,7 +25219,7 @@
               <a:buNone/>
             </a:pPr>
             <a:r>
-              <a:rPr lang="en">
+              <a:rPr lang="en" dirty="0">
                 <a:solidFill>
                   <a:srgbClr val="4285F4"/>
                 </a:solidFill>
@@ -25218,15 +25230,6 @@
               </a:rPr>
               <a:t>My role: </a:t>
             </a:r>
-            <a:endParaRPr>
-              <a:solidFill>
-                <a:srgbClr val="1967D2"/>
-              </a:solidFill>
-              <a:latin typeface="Open Sans SemiBold"/>
-              <a:ea typeface="Open Sans SemiBold"/>
-              <a:cs typeface="Open Sans SemiBold"/>
-              <a:sym typeface="Open Sans SemiBold"/>
-            </a:endParaRPr>
           </a:p>
           <a:p>
             <a:pPr marL="0" lvl="0" indent="0" algn="l" rtl="0">
@@ -25242,26 +25245,17 @@
               <a:buNone/>
             </a:pPr>
             <a:r>
-              <a:rPr lang="en" sz="1200">
+              <a:rPr lang="en" dirty="0">
                 <a:solidFill>
-                  <a:srgbClr val="5F6368"/>
+                  <a:srgbClr val="4285F4"/>
                 </a:solidFill>
-                <a:latin typeface="Open Sans"/>
-                <a:ea typeface="Open Sans"/>
-                <a:cs typeface="Open Sans"/>
-                <a:sym typeface="Open Sans"/>
+                <a:latin typeface="Open Sans SemiBold"/>
+                <a:ea typeface="Open Sans SemiBold"/>
+                <a:cs typeface="Open Sans SemiBold"/>
+                <a:sym typeface="Open Sans SemiBold"/>
               </a:rPr>
-              <a:t>Identify your role in the project - e.g., lead UX designer, UX researcher, etc. </a:t>
+              <a:t>UX designer</a:t>
             </a:r>
-            <a:endParaRPr sz="1200" b="1">
-              <a:solidFill>
-                <a:srgbClr val="4285F4"/>
-              </a:solidFill>
-              <a:latin typeface="Open Sans"/>
-              <a:ea typeface="Open Sans"/>
-              <a:cs typeface="Open Sans"/>
-              <a:sym typeface="Open Sans"/>
-            </a:endParaRPr>
           </a:p>
         </p:txBody>
       </p:sp>
@@ -25372,7 +25366,7 @@
         <p:spPr>
           <a:xfrm>
             <a:off x="4572000" y="2237975"/>
-            <a:ext cx="3446100" cy="1246800"/>
+            <a:ext cx="3446100" cy="1061799"/>
           </a:xfrm>
           <a:prstGeom prst="rect">
             <a:avLst/>
@@ -25401,7 +25395,7 @@
               <a:buNone/>
             </a:pPr>
             <a:r>
-              <a:rPr lang="en">
+              <a:rPr lang="en" dirty="0">
                 <a:solidFill>
                   <a:srgbClr val="4285F4"/>
                 </a:solidFill>
@@ -25413,7 +25407,7 @@
               <a:t>Responsibilities</a:t>
             </a:r>
             <a:r>
-              <a:rPr lang="en">
+              <a:rPr lang="en" dirty="0">
                 <a:solidFill>
                   <a:srgbClr val="1967D2"/>
                 </a:solidFill>
@@ -25424,7 +25418,7 @@
               </a:rPr>
               <a:t>: </a:t>
             </a:r>
-            <a:endParaRPr>
+            <a:endParaRPr dirty="0">
               <a:solidFill>
                 <a:srgbClr val="1967D2"/>
               </a:solidFill>
@@ -25448,7 +25442,7 @@
               <a:buNone/>
             </a:pPr>
             <a:r>
-              <a:rPr lang="en" sz="1200">
+              <a:rPr lang="en-IN" sz="1200" dirty="0">
                 <a:solidFill>
                   <a:srgbClr val="5F6368"/>
                 </a:solidFill>
@@ -25457,9 +25451,21 @@
                 <a:cs typeface="Open Sans"/>
                 <a:sym typeface="Open Sans"/>
               </a:rPr>
-              <a:t>List the responsibilities you had throughout the project - e.g., user research, wireframing, prototyping, etc. </a:t>
+              <a:t>U</a:t>
             </a:r>
-            <a:endParaRPr sz="1200" b="1">
+            <a:r>
+              <a:rPr lang="en" sz="1200" dirty="0">
+                <a:solidFill>
+                  <a:srgbClr val="5F6368"/>
+                </a:solidFill>
+                <a:latin typeface="Open Sans"/>
+                <a:ea typeface="Open Sans"/>
+                <a:cs typeface="Open Sans"/>
+                <a:sym typeface="Open Sans"/>
+              </a:rPr>
+              <a:t>ser research, wireframing, defining problem statements, defining the value statement.</a:t>
+            </a:r>
+            <a:endParaRPr sz="1200" b="1" dirty="0">
               <a:solidFill>
                 <a:srgbClr val="4285F4"/>
               </a:solidFill>
@@ -27594,17 +27600,14 @@
           <p:nvPr/>
         </p:nvPicPr>
         <p:blipFill>
-          <a:blip r:embed="rId3">
-            <a:alphaModFix/>
-          </a:blip>
-          <a:stretch>
-            <a:fillRect/>
-          </a:stretch>
+          <a:blip r:embed="rId3"/>
+          <a:srcRect/>
+          <a:stretch/>
         </p:blipFill>
         <p:spPr>
           <a:xfrm>
-            <a:off x="3703201" y="1083375"/>
-            <a:ext cx="5265248" cy="2976750"/>
+            <a:off x="3694493" y="1279422"/>
+            <a:ext cx="5265248" cy="2955262"/>
           </a:xfrm>
           <a:prstGeom prst="rect">
             <a:avLst/>
@@ -27623,8 +27626,8 @@
         </p:nvSpPr>
         <p:spPr>
           <a:xfrm>
-            <a:off x="517675" y="1674400"/>
-            <a:ext cx="2184600" cy="2016300"/>
+            <a:off x="517675" y="1372073"/>
+            <a:ext cx="3031068" cy="2769959"/>
           </a:xfrm>
           <a:prstGeom prst="rect">
             <a:avLst/>
@@ -27653,7 +27656,7 @@
               <a:buNone/>
             </a:pPr>
             <a:r>
-              <a:rPr lang="en">
+              <a:rPr lang="en" dirty="0">
                 <a:solidFill>
                   <a:srgbClr val="EA4335"/>
                 </a:solidFill>
@@ -27664,7 +27667,7 @@
               </a:rPr>
               <a:t>Problem statement:</a:t>
             </a:r>
-            <a:endParaRPr>
+            <a:endParaRPr dirty="0">
               <a:solidFill>
                 <a:srgbClr val="EA4335"/>
               </a:solidFill>
@@ -27688,7 +27691,7 @@
               <a:buNone/>
             </a:pPr>
             <a:r>
-              <a:rPr lang="en">
+              <a:rPr lang="en-GB" dirty="0">
                 <a:solidFill>
                   <a:srgbClr val="5F6368"/>
                 </a:solidFill>
@@ -27697,17 +27700,8 @@
                 <a:cs typeface="Open Sans"/>
                 <a:sym typeface="Open Sans"/>
               </a:rPr>
-              <a:t>[User name] is a [user characteristics] </a:t>
+              <a:t>Elliot is a line cook currently who needs to get the order items fast and according to his budget because he wants to learn a new skill without wasting much of his time in ordering the food.</a:t>
             </a:r>
-            <a:endParaRPr>
-              <a:solidFill>
-                <a:srgbClr val="5F6368"/>
-              </a:solidFill>
-              <a:latin typeface="Open Sans"/>
-              <a:ea typeface="Open Sans"/>
-              <a:cs typeface="Open Sans"/>
-              <a:sym typeface="Open Sans"/>
-            </a:endParaRPr>
           </a:p>
           <a:p>
             <a:pPr marL="0" lvl="0" indent="0" algn="l" rtl="0">
@@ -27722,77 +27716,7 @@
               </a:spcAft>
               <a:buNone/>
             </a:pPr>
-            <a:r>
-              <a:rPr lang="en">
-                <a:solidFill>
-                  <a:srgbClr val="5F6368"/>
-                </a:solidFill>
-                <a:latin typeface="Open Sans"/>
-                <a:ea typeface="Open Sans"/>
-                <a:cs typeface="Open Sans"/>
-                <a:sym typeface="Open Sans"/>
-              </a:rPr>
-              <a:t>who needs [user need] </a:t>
-            </a:r>
-            <a:endParaRPr>
-              <a:solidFill>
-                <a:srgbClr val="5F6368"/>
-              </a:solidFill>
-              <a:latin typeface="Open Sans"/>
-              <a:ea typeface="Open Sans"/>
-              <a:cs typeface="Open Sans"/>
-              <a:sym typeface="Open Sans"/>
-            </a:endParaRPr>
-          </a:p>
-          <a:p>
-            <a:pPr marL="0" lvl="0" indent="0" algn="l" rtl="0">
-              <a:lnSpc>
-                <a:spcPct val="150000"/>
-              </a:lnSpc>
-              <a:spcBef>
-                <a:spcPts val="0"/>
-              </a:spcBef>
-              <a:spcAft>
-                <a:spcPts val="0"/>
-              </a:spcAft>
-              <a:buNone/>
-            </a:pPr>
-            <a:r>
-              <a:rPr lang="en">
-                <a:solidFill>
-                  <a:srgbClr val="5F6368"/>
-                </a:solidFill>
-                <a:latin typeface="Open Sans"/>
-                <a:ea typeface="Open Sans"/>
-                <a:cs typeface="Open Sans"/>
-                <a:sym typeface="Open Sans"/>
-              </a:rPr>
-              <a:t>because [insight].</a:t>
-            </a:r>
-            <a:endParaRPr>
-              <a:solidFill>
-                <a:srgbClr val="5F6368"/>
-              </a:solidFill>
-              <a:latin typeface="Open Sans"/>
-              <a:ea typeface="Open Sans"/>
-              <a:cs typeface="Open Sans"/>
-              <a:sym typeface="Open Sans"/>
-            </a:endParaRPr>
-          </a:p>
-          <a:p>
-            <a:pPr marL="0" lvl="0" indent="0" algn="l" rtl="0">
-              <a:lnSpc>
-                <a:spcPct val="150000"/>
-              </a:lnSpc>
-              <a:spcBef>
-                <a:spcPts val="0"/>
-              </a:spcBef>
-              <a:spcAft>
-                <a:spcPts val="0"/>
-              </a:spcAft>
-              <a:buNone/>
-            </a:pPr>
-            <a:endParaRPr/>
+            <a:endParaRPr dirty="0"/>
           </a:p>
         </p:txBody>
       </p:sp>
